--- a/games/스크립트언어_기획_이도_이도영.pptx
+++ b/games/스크립트언어_기획_이도_이도영.pptx
@@ -135,7 +135,7 @@
 <file path=ppt/revisionInfo.xml><?xml version="1.0" encoding="utf-8"?>
 <p1510:revInfo xmlns:a="http://schemas.openxmlformats.org/drawingml/2006/main" xmlns:r="http://schemas.openxmlformats.org/officeDocument/2006/relationships" xmlns:p1510="http://schemas.microsoft.com/office/powerpoint/2015/10/main">
   <p1510:revLst>
-    <p1510:client id="{A84DEFED-E772-4501-AE7E-058E64B6A672}" v="340" dt="2022-05-16T12:37:18.275"/>
+    <p1510:client id="{A84DEFED-E772-4501-AE7E-058E64B6A672}" v="343" dt="2022-05-16T12:49:43.610"/>
   </p1510:revLst>
 </p1510:revInfo>
 </file>
@@ -145,12 +145,12 @@
   <pc:docChgLst>
     <pc:chgData name="이 도영" userId="7a4f25bd000ca71b" providerId="LiveId" clId="{A84DEFED-E772-4501-AE7E-058E64B6A672}"/>
     <pc:docChg chg="undo custSel addSld delSld modSld sldOrd">
-      <pc:chgData name="이 도영" userId="7a4f25bd000ca71b" providerId="LiveId" clId="{A84DEFED-E772-4501-AE7E-058E64B6A672}" dt="2022-05-16T12:37:36.660" v="2714" actId="478"/>
+      <pc:chgData name="이 도영" userId="7a4f25bd000ca71b" providerId="LiveId" clId="{A84DEFED-E772-4501-AE7E-058E64B6A672}" dt="2022-05-16T12:52:20.863" v="2749" actId="1076"/>
       <pc:docMkLst>
         <pc:docMk/>
       </pc:docMkLst>
       <pc:sldChg chg="addSp delSp modSp mod">
-        <pc:chgData name="이 도영" userId="7a4f25bd000ca71b" providerId="LiveId" clId="{A84DEFED-E772-4501-AE7E-058E64B6A672}" dt="2022-05-16T12:37:36.660" v="2714" actId="478"/>
+        <pc:chgData name="이 도영" userId="7a4f25bd000ca71b" providerId="LiveId" clId="{A84DEFED-E772-4501-AE7E-058E64B6A672}" dt="2022-05-16T12:41:56.481" v="2716" actId="478"/>
         <pc:sldMkLst>
           <pc:docMk/>
           <pc:sldMk cId="0" sldId="256"/>
@@ -193,6 +193,22 @@
             <pc:docMk/>
             <pc:sldMk cId="0" sldId="256"/>
             <ac:spMk id="23" creationId="{62EFE778-075F-495E-96F6-34E5AB739DCF}"/>
+          </ac:spMkLst>
+        </pc:spChg>
+        <pc:spChg chg="del">
+          <ac:chgData name="이 도영" userId="7a4f25bd000ca71b" providerId="LiveId" clId="{A84DEFED-E772-4501-AE7E-058E64B6A672}" dt="2022-05-16T12:41:38.126" v="2715" actId="478"/>
+          <ac:spMkLst>
+            <pc:docMk/>
+            <pc:sldMk cId="0" sldId="256"/>
+            <ac:spMk id="25" creationId="{506EBA34-4240-45FE-B16A-80E527DB3746}"/>
+          </ac:spMkLst>
+        </pc:spChg>
+        <pc:spChg chg="del">
+          <ac:chgData name="이 도영" userId="7a4f25bd000ca71b" providerId="LiveId" clId="{A84DEFED-E772-4501-AE7E-058E64B6A672}" dt="2022-05-16T12:41:56.481" v="2716" actId="478"/>
+          <ac:spMkLst>
+            <pc:docMk/>
+            <pc:sldMk cId="0" sldId="256"/>
+            <ac:spMk id="26" creationId="{C227964C-B189-4581-A99B-7012607B6ACE}"/>
           </ac:spMkLst>
         </pc:spChg>
         <pc:picChg chg="add del">
@@ -808,7 +824,7 @@
         </pc:picChg>
       </pc:sldChg>
       <pc:sldChg chg="addSp delSp modSp add mod ord">
-        <pc:chgData name="이 도영" userId="7a4f25bd000ca71b" providerId="LiveId" clId="{A84DEFED-E772-4501-AE7E-058E64B6A672}" dt="2022-05-16T06:26:19.994" v="2698"/>
+        <pc:chgData name="이 도영" userId="7a4f25bd000ca71b" providerId="LiveId" clId="{A84DEFED-E772-4501-AE7E-058E64B6A672}" dt="2022-05-16T12:49:44.837" v="2747" actId="20577"/>
         <pc:sldMkLst>
           <pc:docMk/>
           <pc:sldMk cId="651847544" sldId="262"/>
@@ -974,7 +990,7 @@
           </ac:spMkLst>
         </pc:spChg>
         <pc:spChg chg="add mod">
-          <ac:chgData name="이 도영" userId="7a4f25bd000ca71b" providerId="LiveId" clId="{A84DEFED-E772-4501-AE7E-058E64B6A672}" dt="2022-05-16T06:19:12.617" v="1598" actId="1076"/>
+          <ac:chgData name="이 도영" userId="7a4f25bd000ca71b" providerId="LiveId" clId="{A84DEFED-E772-4501-AE7E-058E64B6A672}" dt="2022-05-16T12:49:44.837" v="2747" actId="20577"/>
           <ac:spMkLst>
             <pc:docMk/>
             <pc:sldMk cId="651847544" sldId="262"/>
@@ -1038,7 +1054,7 @@
           </ac:spMkLst>
         </pc:spChg>
         <pc:spChg chg="add mod">
-          <ac:chgData name="이 도영" userId="7a4f25bd000ca71b" providerId="LiveId" clId="{A84DEFED-E772-4501-AE7E-058E64B6A672}" dt="2022-05-16T06:20:04.515" v="1635" actId="1076"/>
+          <ac:chgData name="이 도영" userId="7a4f25bd000ca71b" providerId="LiveId" clId="{A84DEFED-E772-4501-AE7E-058E64B6A672}" dt="2022-05-16T12:49:36.703" v="2725" actId="1076"/>
           <ac:spMkLst>
             <pc:docMk/>
             <pc:sldMk cId="651847544" sldId="262"/>
@@ -1118,7 +1134,7 @@
           </ac:picMkLst>
         </pc:picChg>
         <pc:picChg chg="add mod">
-          <ac:chgData name="이 도영" userId="7a4f25bd000ca71b" providerId="LiveId" clId="{A84DEFED-E772-4501-AE7E-058E64B6A672}" dt="2022-05-16T06:17:28.171" v="1526" actId="1038"/>
+          <ac:chgData name="이 도영" userId="7a4f25bd000ca71b" providerId="LiveId" clId="{A84DEFED-E772-4501-AE7E-058E64B6A672}" dt="2022-05-16T12:49:16.754" v="2720" actId="14100"/>
           <ac:picMkLst>
             <pc:docMk/>
             <pc:sldMk cId="651847544" sldId="262"/>
@@ -1126,7 +1142,7 @@
           </ac:picMkLst>
         </pc:picChg>
         <pc:picChg chg="add mod">
-          <ac:chgData name="이 도영" userId="7a4f25bd000ca71b" providerId="LiveId" clId="{A84DEFED-E772-4501-AE7E-058E64B6A672}" dt="2022-05-16T06:18:01.767" v="1532" actId="14100"/>
+          <ac:chgData name="이 도영" userId="7a4f25bd000ca71b" providerId="LiveId" clId="{A84DEFED-E772-4501-AE7E-058E64B6A672}" dt="2022-05-16T12:49:21.944" v="2721" actId="14100"/>
           <ac:picMkLst>
             <pc:docMk/>
             <pc:sldMk cId="651847544" sldId="262"/>
@@ -1207,7 +1223,7 @@
         </pc:cxnChg>
       </pc:sldChg>
       <pc:sldChg chg="addSp modSp add mod">
-        <pc:chgData name="이 도영" userId="7a4f25bd000ca71b" providerId="LiveId" clId="{A84DEFED-E772-4501-AE7E-058E64B6A672}" dt="2022-05-16T06:26:13.751" v="2696" actId="122"/>
+        <pc:chgData name="이 도영" userId="7a4f25bd000ca71b" providerId="LiveId" clId="{A84DEFED-E772-4501-AE7E-058E64B6A672}" dt="2022-05-16T12:52:20.863" v="2749" actId="1076"/>
         <pc:sldMkLst>
           <pc:docMk/>
           <pc:sldMk cId="156351900" sldId="263"/>
@@ -1221,7 +1237,7 @@
           </ac:spMkLst>
         </pc:spChg>
         <pc:graphicFrameChg chg="add mod modGraphic">
-          <ac:chgData name="이 도영" userId="7a4f25bd000ca71b" providerId="LiveId" clId="{A84DEFED-E772-4501-AE7E-058E64B6A672}" dt="2022-05-16T06:26:13.751" v="2696" actId="122"/>
+          <ac:chgData name="이 도영" userId="7a4f25bd000ca71b" providerId="LiveId" clId="{A84DEFED-E772-4501-AE7E-058E64B6A672}" dt="2022-05-16T12:52:20.863" v="2749" actId="1076"/>
           <ac:graphicFrameMkLst>
             <pc:docMk/>
             <pc:sldMk cId="156351900" sldId="263"/>
@@ -8225,712 +8241,6 @@
           </a:p>
         </p:txBody>
       </p:sp>
-      <p:sp>
-        <p:nvSpPr>
-          <p:cNvPr id="25" name="Freeform 16">
-            <a:extLst>
-              <a:ext uri="{FF2B5EF4-FFF2-40B4-BE49-F238E27FC236}">
-                <a16:creationId xmlns:a16="http://schemas.microsoft.com/office/drawing/2014/main" id="{506EBA34-4240-45FE-B16A-80E527DB3746}"/>
-              </a:ext>
-            </a:extLst>
-          </p:cNvPr>
-          <p:cNvSpPr>
-            <a:spLocks/>
-          </p:cNvSpPr>
-          <p:nvPr/>
-        </p:nvSpPr>
-        <p:spPr bwMode="auto">
-          <a:xfrm>
-            <a:off x="27179588" y="1162049"/>
-            <a:ext cx="2644775" cy="847725"/>
-          </a:xfrm>
-          <a:custGeom>
-            <a:avLst/>
-            <a:gdLst>
-              <a:gd name="T0" fmla="*/ 160 w 1666"/>
-              <a:gd name="T1" fmla="*/ 534 h 534"/>
-              <a:gd name="T2" fmla="*/ 144 w 1666"/>
-              <a:gd name="T3" fmla="*/ 532 h 534"/>
-              <a:gd name="T4" fmla="*/ 112 w 1666"/>
-              <a:gd name="T5" fmla="*/ 526 h 534"/>
-              <a:gd name="T6" fmla="*/ 84 w 1666"/>
-              <a:gd name="T7" fmla="*/ 514 h 534"/>
-              <a:gd name="T8" fmla="*/ 58 w 1666"/>
-              <a:gd name="T9" fmla="*/ 498 h 534"/>
-              <a:gd name="T10" fmla="*/ 36 w 1666"/>
-              <a:gd name="T11" fmla="*/ 476 h 534"/>
-              <a:gd name="T12" fmla="*/ 20 w 1666"/>
-              <a:gd name="T13" fmla="*/ 450 h 534"/>
-              <a:gd name="T14" fmla="*/ 8 w 1666"/>
-              <a:gd name="T15" fmla="*/ 422 h 534"/>
-              <a:gd name="T16" fmla="*/ 2 w 1666"/>
-              <a:gd name="T17" fmla="*/ 390 h 534"/>
-              <a:gd name="T18" fmla="*/ 0 w 1666"/>
-              <a:gd name="T19" fmla="*/ 160 h 534"/>
-              <a:gd name="T20" fmla="*/ 2 w 1666"/>
-              <a:gd name="T21" fmla="*/ 144 h 534"/>
-              <a:gd name="T22" fmla="*/ 8 w 1666"/>
-              <a:gd name="T23" fmla="*/ 112 h 534"/>
-              <a:gd name="T24" fmla="*/ 20 w 1666"/>
-              <a:gd name="T25" fmla="*/ 84 h 534"/>
-              <a:gd name="T26" fmla="*/ 36 w 1666"/>
-              <a:gd name="T27" fmla="*/ 58 h 534"/>
-              <a:gd name="T28" fmla="*/ 58 w 1666"/>
-              <a:gd name="T29" fmla="*/ 36 h 534"/>
-              <a:gd name="T30" fmla="*/ 84 w 1666"/>
-              <a:gd name="T31" fmla="*/ 20 h 534"/>
-              <a:gd name="T32" fmla="*/ 112 w 1666"/>
-              <a:gd name="T33" fmla="*/ 8 h 534"/>
-              <a:gd name="T34" fmla="*/ 144 w 1666"/>
-              <a:gd name="T35" fmla="*/ 2 h 534"/>
-              <a:gd name="T36" fmla="*/ 1506 w 1666"/>
-              <a:gd name="T37" fmla="*/ 0 h 534"/>
-              <a:gd name="T38" fmla="*/ 1522 w 1666"/>
-              <a:gd name="T39" fmla="*/ 2 h 534"/>
-              <a:gd name="T40" fmla="*/ 1554 w 1666"/>
-              <a:gd name="T41" fmla="*/ 8 h 534"/>
-              <a:gd name="T42" fmla="*/ 1582 w 1666"/>
-              <a:gd name="T43" fmla="*/ 20 h 534"/>
-              <a:gd name="T44" fmla="*/ 1608 w 1666"/>
-              <a:gd name="T45" fmla="*/ 36 h 534"/>
-              <a:gd name="T46" fmla="*/ 1628 w 1666"/>
-              <a:gd name="T47" fmla="*/ 58 h 534"/>
-              <a:gd name="T48" fmla="*/ 1646 w 1666"/>
-              <a:gd name="T49" fmla="*/ 84 h 534"/>
-              <a:gd name="T50" fmla="*/ 1658 w 1666"/>
-              <a:gd name="T51" fmla="*/ 112 h 534"/>
-              <a:gd name="T52" fmla="*/ 1664 w 1666"/>
-              <a:gd name="T53" fmla="*/ 144 h 534"/>
-              <a:gd name="T54" fmla="*/ 1666 w 1666"/>
-              <a:gd name="T55" fmla="*/ 374 h 534"/>
-              <a:gd name="T56" fmla="*/ 1664 w 1666"/>
-              <a:gd name="T57" fmla="*/ 390 h 534"/>
-              <a:gd name="T58" fmla="*/ 1658 w 1666"/>
-              <a:gd name="T59" fmla="*/ 422 h 534"/>
-              <a:gd name="T60" fmla="*/ 1646 w 1666"/>
-              <a:gd name="T61" fmla="*/ 450 h 534"/>
-              <a:gd name="T62" fmla="*/ 1628 w 1666"/>
-              <a:gd name="T63" fmla="*/ 476 h 534"/>
-              <a:gd name="T64" fmla="*/ 1608 w 1666"/>
-              <a:gd name="T65" fmla="*/ 498 h 534"/>
-              <a:gd name="T66" fmla="*/ 1582 w 1666"/>
-              <a:gd name="T67" fmla="*/ 514 h 534"/>
-              <a:gd name="T68" fmla="*/ 1554 w 1666"/>
-              <a:gd name="T69" fmla="*/ 526 h 534"/>
-              <a:gd name="T70" fmla="*/ 1522 w 1666"/>
-              <a:gd name="T71" fmla="*/ 532 h 534"/>
-              <a:gd name="T72" fmla="*/ 1506 w 1666"/>
-              <a:gd name="T73" fmla="*/ 534 h 534"/>
-            </a:gdLst>
-            <a:ahLst/>
-            <a:cxnLst>
-              <a:cxn ang="0">
-                <a:pos x="T0" y="T1"/>
-              </a:cxn>
-              <a:cxn ang="0">
-                <a:pos x="T2" y="T3"/>
-              </a:cxn>
-              <a:cxn ang="0">
-                <a:pos x="T4" y="T5"/>
-              </a:cxn>
-              <a:cxn ang="0">
-                <a:pos x="T6" y="T7"/>
-              </a:cxn>
-              <a:cxn ang="0">
-                <a:pos x="T8" y="T9"/>
-              </a:cxn>
-              <a:cxn ang="0">
-                <a:pos x="T10" y="T11"/>
-              </a:cxn>
-              <a:cxn ang="0">
-                <a:pos x="T12" y="T13"/>
-              </a:cxn>
-              <a:cxn ang="0">
-                <a:pos x="T14" y="T15"/>
-              </a:cxn>
-              <a:cxn ang="0">
-                <a:pos x="T16" y="T17"/>
-              </a:cxn>
-              <a:cxn ang="0">
-                <a:pos x="T18" y="T19"/>
-              </a:cxn>
-              <a:cxn ang="0">
-                <a:pos x="T20" y="T21"/>
-              </a:cxn>
-              <a:cxn ang="0">
-                <a:pos x="T22" y="T23"/>
-              </a:cxn>
-              <a:cxn ang="0">
-                <a:pos x="T24" y="T25"/>
-              </a:cxn>
-              <a:cxn ang="0">
-                <a:pos x="T26" y="T27"/>
-              </a:cxn>
-              <a:cxn ang="0">
-                <a:pos x="T28" y="T29"/>
-              </a:cxn>
-              <a:cxn ang="0">
-                <a:pos x="T30" y="T31"/>
-              </a:cxn>
-              <a:cxn ang="0">
-                <a:pos x="T32" y="T33"/>
-              </a:cxn>
-              <a:cxn ang="0">
-                <a:pos x="T34" y="T35"/>
-              </a:cxn>
-              <a:cxn ang="0">
-                <a:pos x="T36" y="T37"/>
-              </a:cxn>
-              <a:cxn ang="0">
-                <a:pos x="T38" y="T39"/>
-              </a:cxn>
-              <a:cxn ang="0">
-                <a:pos x="T40" y="T41"/>
-              </a:cxn>
-              <a:cxn ang="0">
-                <a:pos x="T42" y="T43"/>
-              </a:cxn>
-              <a:cxn ang="0">
-                <a:pos x="T44" y="T45"/>
-              </a:cxn>
-              <a:cxn ang="0">
-                <a:pos x="T46" y="T47"/>
-              </a:cxn>
-              <a:cxn ang="0">
-                <a:pos x="T48" y="T49"/>
-              </a:cxn>
-              <a:cxn ang="0">
-                <a:pos x="T50" y="T51"/>
-              </a:cxn>
-              <a:cxn ang="0">
-                <a:pos x="T52" y="T53"/>
-              </a:cxn>
-              <a:cxn ang="0">
-                <a:pos x="T54" y="T55"/>
-              </a:cxn>
-              <a:cxn ang="0">
-                <a:pos x="T56" y="T57"/>
-              </a:cxn>
-              <a:cxn ang="0">
-                <a:pos x="T58" y="T59"/>
-              </a:cxn>
-              <a:cxn ang="0">
-                <a:pos x="T60" y="T61"/>
-              </a:cxn>
-              <a:cxn ang="0">
-                <a:pos x="T62" y="T63"/>
-              </a:cxn>
-              <a:cxn ang="0">
-                <a:pos x="T64" y="T65"/>
-              </a:cxn>
-              <a:cxn ang="0">
-                <a:pos x="T66" y="T67"/>
-              </a:cxn>
-              <a:cxn ang="0">
-                <a:pos x="T68" y="T69"/>
-              </a:cxn>
-              <a:cxn ang="0">
-                <a:pos x="T70" y="T71"/>
-              </a:cxn>
-              <a:cxn ang="0">
-                <a:pos x="T72" y="T73"/>
-              </a:cxn>
-            </a:cxnLst>
-            <a:rect l="0" t="0" r="r" b="b"/>
-            <a:pathLst>
-              <a:path w="1666" h="534">
-                <a:moveTo>
-                  <a:pt x="1506" y="534"/>
-                </a:moveTo>
-                <a:lnTo>
-                  <a:pt x="160" y="534"/>
-                </a:lnTo>
-                <a:lnTo>
-                  <a:pt x="160" y="534"/>
-                </a:lnTo>
-                <a:lnTo>
-                  <a:pt x="144" y="532"/>
-                </a:lnTo>
-                <a:lnTo>
-                  <a:pt x="128" y="530"/>
-                </a:lnTo>
-                <a:lnTo>
-                  <a:pt x="112" y="526"/>
-                </a:lnTo>
-                <a:lnTo>
-                  <a:pt x="98" y="520"/>
-                </a:lnTo>
-                <a:lnTo>
-                  <a:pt x="84" y="514"/>
-                </a:lnTo>
-                <a:lnTo>
-                  <a:pt x="70" y="506"/>
-                </a:lnTo>
-                <a:lnTo>
-                  <a:pt x="58" y="498"/>
-                </a:lnTo>
-                <a:lnTo>
-                  <a:pt x="46" y="486"/>
-                </a:lnTo>
-                <a:lnTo>
-                  <a:pt x="36" y="476"/>
-                </a:lnTo>
-                <a:lnTo>
-                  <a:pt x="28" y="464"/>
-                </a:lnTo>
-                <a:lnTo>
-                  <a:pt x="20" y="450"/>
-                </a:lnTo>
-                <a:lnTo>
-                  <a:pt x="12" y="436"/>
-                </a:lnTo>
-                <a:lnTo>
-                  <a:pt x="8" y="422"/>
-                </a:lnTo>
-                <a:lnTo>
-                  <a:pt x="4" y="406"/>
-                </a:lnTo>
-                <a:lnTo>
-                  <a:pt x="2" y="390"/>
-                </a:lnTo>
-                <a:lnTo>
-                  <a:pt x="0" y="374"/>
-                </a:lnTo>
-                <a:lnTo>
-                  <a:pt x="0" y="160"/>
-                </a:lnTo>
-                <a:lnTo>
-                  <a:pt x="0" y="160"/>
-                </a:lnTo>
-                <a:lnTo>
-                  <a:pt x="2" y="144"/>
-                </a:lnTo>
-                <a:lnTo>
-                  <a:pt x="4" y="128"/>
-                </a:lnTo>
-                <a:lnTo>
-                  <a:pt x="8" y="112"/>
-                </a:lnTo>
-                <a:lnTo>
-                  <a:pt x="12" y="98"/>
-                </a:lnTo>
-                <a:lnTo>
-                  <a:pt x="20" y="84"/>
-                </a:lnTo>
-                <a:lnTo>
-                  <a:pt x="28" y="70"/>
-                </a:lnTo>
-                <a:lnTo>
-                  <a:pt x="36" y="58"/>
-                </a:lnTo>
-                <a:lnTo>
-                  <a:pt x="46" y="48"/>
-                </a:lnTo>
-                <a:lnTo>
-                  <a:pt x="58" y="36"/>
-                </a:lnTo>
-                <a:lnTo>
-                  <a:pt x="70" y="28"/>
-                </a:lnTo>
-                <a:lnTo>
-                  <a:pt x="84" y="20"/>
-                </a:lnTo>
-                <a:lnTo>
-                  <a:pt x="98" y="14"/>
-                </a:lnTo>
-                <a:lnTo>
-                  <a:pt x="112" y="8"/>
-                </a:lnTo>
-                <a:lnTo>
-                  <a:pt x="128" y="4"/>
-                </a:lnTo>
-                <a:lnTo>
-                  <a:pt x="144" y="2"/>
-                </a:lnTo>
-                <a:lnTo>
-                  <a:pt x="160" y="0"/>
-                </a:lnTo>
-                <a:lnTo>
-                  <a:pt x="1506" y="0"/>
-                </a:lnTo>
-                <a:lnTo>
-                  <a:pt x="1506" y="0"/>
-                </a:lnTo>
-                <a:lnTo>
-                  <a:pt x="1522" y="2"/>
-                </a:lnTo>
-                <a:lnTo>
-                  <a:pt x="1538" y="4"/>
-                </a:lnTo>
-                <a:lnTo>
-                  <a:pt x="1554" y="8"/>
-                </a:lnTo>
-                <a:lnTo>
-                  <a:pt x="1568" y="14"/>
-                </a:lnTo>
-                <a:lnTo>
-                  <a:pt x="1582" y="20"/>
-                </a:lnTo>
-                <a:lnTo>
-                  <a:pt x="1594" y="28"/>
-                </a:lnTo>
-                <a:lnTo>
-                  <a:pt x="1608" y="36"/>
-                </a:lnTo>
-                <a:lnTo>
-                  <a:pt x="1618" y="48"/>
-                </a:lnTo>
-                <a:lnTo>
-                  <a:pt x="1628" y="58"/>
-                </a:lnTo>
-                <a:lnTo>
-                  <a:pt x="1638" y="70"/>
-                </a:lnTo>
-                <a:lnTo>
-                  <a:pt x="1646" y="84"/>
-                </a:lnTo>
-                <a:lnTo>
-                  <a:pt x="1652" y="98"/>
-                </a:lnTo>
-                <a:lnTo>
-                  <a:pt x="1658" y="112"/>
-                </a:lnTo>
-                <a:lnTo>
-                  <a:pt x="1662" y="128"/>
-                </a:lnTo>
-                <a:lnTo>
-                  <a:pt x="1664" y="144"/>
-                </a:lnTo>
-                <a:lnTo>
-                  <a:pt x="1666" y="160"/>
-                </a:lnTo>
-                <a:lnTo>
-                  <a:pt x="1666" y="374"/>
-                </a:lnTo>
-                <a:lnTo>
-                  <a:pt x="1666" y="374"/>
-                </a:lnTo>
-                <a:lnTo>
-                  <a:pt x="1664" y="390"/>
-                </a:lnTo>
-                <a:lnTo>
-                  <a:pt x="1662" y="406"/>
-                </a:lnTo>
-                <a:lnTo>
-                  <a:pt x="1658" y="422"/>
-                </a:lnTo>
-                <a:lnTo>
-                  <a:pt x="1652" y="436"/>
-                </a:lnTo>
-                <a:lnTo>
-                  <a:pt x="1646" y="450"/>
-                </a:lnTo>
-                <a:lnTo>
-                  <a:pt x="1638" y="464"/>
-                </a:lnTo>
-                <a:lnTo>
-                  <a:pt x="1628" y="476"/>
-                </a:lnTo>
-                <a:lnTo>
-                  <a:pt x="1618" y="486"/>
-                </a:lnTo>
-                <a:lnTo>
-                  <a:pt x="1608" y="498"/>
-                </a:lnTo>
-                <a:lnTo>
-                  <a:pt x="1594" y="506"/>
-                </a:lnTo>
-                <a:lnTo>
-                  <a:pt x="1582" y="514"/>
-                </a:lnTo>
-                <a:lnTo>
-                  <a:pt x="1568" y="520"/>
-                </a:lnTo>
-                <a:lnTo>
-                  <a:pt x="1554" y="526"/>
-                </a:lnTo>
-                <a:lnTo>
-                  <a:pt x="1538" y="530"/>
-                </a:lnTo>
-                <a:lnTo>
-                  <a:pt x="1522" y="532"/>
-                </a:lnTo>
-                <a:lnTo>
-                  <a:pt x="1506" y="534"/>
-                </a:lnTo>
-                <a:lnTo>
-                  <a:pt x="1506" y="534"/>
-                </a:lnTo>
-                <a:close/>
-              </a:path>
-            </a:pathLst>
-          </a:custGeom>
-          <a:solidFill>
-            <a:srgbClr val="606060"/>
-          </a:solidFill>
-          <a:ln>
-            <a:noFill/>
-          </a:ln>
-          <a:extLst>
-            <a:ext uri="{91240B29-F687-4F45-9708-019B960494DF}">
-              <a14:hiddenLine xmlns:a14="http://schemas.microsoft.com/office/drawing/2010/main" w="9525">
-                <a:solidFill>
-                  <a:srgbClr val="000000"/>
-                </a:solidFill>
-                <a:round/>
-                <a:headEnd/>
-                <a:tailEnd/>
-              </a14:hiddenLine>
-            </a:ext>
-          </a:extLst>
-        </p:spPr>
-        <p:txBody>
-          <a:bodyPr vert="horz" wrap="square" lIns="91440" tIns="45720" rIns="91440" bIns="45720" numCol="1" anchor="t" anchorCtr="0" compatLnSpc="1">
-            <a:prstTxWarp prst="textNoShape">
-              <a:avLst/>
-            </a:prstTxWarp>
-          </a:bodyPr>
-          <a:lstStyle/>
-          <a:p>
-            <a:endParaRPr lang="ko-KR" altLang="en-US"/>
-          </a:p>
-        </p:txBody>
-      </p:sp>
-      <p:sp>
-        <p:nvSpPr>
-          <p:cNvPr id="26" name="Rectangle 17">
-            <a:extLst>
-              <a:ext uri="{FF2B5EF4-FFF2-40B4-BE49-F238E27FC236}">
-                <a16:creationId xmlns:a16="http://schemas.microsoft.com/office/drawing/2014/main" id="{C227964C-B189-4581-A99B-7012607B6ACE}"/>
-              </a:ext>
-            </a:extLst>
-          </p:cNvPr>
-          <p:cNvSpPr>
-            <a:spLocks noChangeArrowheads="1"/>
-          </p:cNvSpPr>
-          <p:nvPr/>
-        </p:nvSpPr>
-        <p:spPr bwMode="auto">
-          <a:xfrm>
-            <a:off x="27668538" y="1210656"/>
-            <a:ext cx="1772729" cy="784830"/>
-          </a:xfrm>
-          <a:prstGeom prst="rect">
-            <a:avLst/>
-          </a:prstGeom>
-          <a:noFill/>
-          <a:ln>
-            <a:noFill/>
-          </a:ln>
-          <a:extLst>
-            <a:ext uri="{909E8E84-426E-40DD-AFC4-6F175D3DCCD1}">
-              <a14:hiddenFill xmlns:a14="http://schemas.microsoft.com/office/drawing/2010/main">
-                <a:solidFill>
-                  <a:srgbClr val="FFFFFF"/>
-                </a:solidFill>
-              </a14:hiddenFill>
-            </a:ext>
-            <a:ext uri="{91240B29-F687-4F45-9708-019B960494DF}">
-              <a14:hiddenLine xmlns:a14="http://schemas.microsoft.com/office/drawing/2010/main" w="9525">
-                <a:solidFill>
-                  <a:srgbClr val="000000"/>
-                </a:solidFill>
-                <a:miter lim="800000"/>
-                <a:headEnd/>
-                <a:tailEnd/>
-              </a14:hiddenLine>
-            </a:ext>
-          </a:extLst>
-        </p:spPr>
-        <p:txBody>
-          <a:bodyPr vert="horz" wrap="none" lIns="0" tIns="0" rIns="0" bIns="0" numCol="1" anchor="t" anchorCtr="0" compatLnSpc="1">
-            <a:prstTxWarp prst="textNoShape">
-              <a:avLst/>
-            </a:prstTxWarp>
-            <a:spAutoFit/>
-          </a:bodyPr>
-          <a:lstStyle>
-            <a:lvl1pPr eaLnBrk="0" fontAlgn="base" hangingPunct="0">
-              <a:spcBef>
-                <a:spcPct val="0"/>
-              </a:spcBef>
-              <a:spcAft>
-                <a:spcPct val="0"/>
-              </a:spcAft>
-              <a:defRPr>
-                <a:solidFill>
-                  <a:schemeClr val="tx1"/>
-                </a:solidFill>
-                <a:latin typeface="Arial" panose="020B0604020202020204" pitchFamily="34" charset="0"/>
-              </a:defRPr>
-            </a:lvl1pPr>
-            <a:lvl2pPr eaLnBrk="0" fontAlgn="base" hangingPunct="0">
-              <a:spcBef>
-                <a:spcPct val="0"/>
-              </a:spcBef>
-              <a:spcAft>
-                <a:spcPct val="0"/>
-              </a:spcAft>
-              <a:defRPr>
-                <a:solidFill>
-                  <a:schemeClr val="tx1"/>
-                </a:solidFill>
-                <a:latin typeface="Arial" panose="020B0604020202020204" pitchFamily="34" charset="0"/>
-              </a:defRPr>
-            </a:lvl2pPr>
-            <a:lvl3pPr eaLnBrk="0" fontAlgn="base" hangingPunct="0">
-              <a:spcBef>
-                <a:spcPct val="0"/>
-              </a:spcBef>
-              <a:spcAft>
-                <a:spcPct val="0"/>
-              </a:spcAft>
-              <a:defRPr>
-                <a:solidFill>
-                  <a:schemeClr val="tx1"/>
-                </a:solidFill>
-                <a:latin typeface="Arial" panose="020B0604020202020204" pitchFamily="34" charset="0"/>
-              </a:defRPr>
-            </a:lvl3pPr>
-            <a:lvl4pPr eaLnBrk="0" fontAlgn="base" hangingPunct="0">
-              <a:spcBef>
-                <a:spcPct val="0"/>
-              </a:spcBef>
-              <a:spcAft>
-                <a:spcPct val="0"/>
-              </a:spcAft>
-              <a:defRPr>
-                <a:solidFill>
-                  <a:schemeClr val="tx1"/>
-                </a:solidFill>
-                <a:latin typeface="Arial" panose="020B0604020202020204" pitchFamily="34" charset="0"/>
-              </a:defRPr>
-            </a:lvl4pPr>
-            <a:lvl5pPr eaLnBrk="0" fontAlgn="base" hangingPunct="0">
-              <a:spcBef>
-                <a:spcPct val="0"/>
-              </a:spcBef>
-              <a:spcAft>
-                <a:spcPct val="0"/>
-              </a:spcAft>
-              <a:defRPr>
-                <a:solidFill>
-                  <a:schemeClr val="tx1"/>
-                </a:solidFill>
-                <a:latin typeface="Arial" panose="020B0604020202020204" pitchFamily="34" charset="0"/>
-              </a:defRPr>
-            </a:lvl5pPr>
-            <a:lvl6pPr eaLnBrk="0" fontAlgn="base" hangingPunct="0">
-              <a:spcBef>
-                <a:spcPct val="0"/>
-              </a:spcBef>
-              <a:spcAft>
-                <a:spcPct val="0"/>
-              </a:spcAft>
-              <a:defRPr>
-                <a:solidFill>
-                  <a:schemeClr val="tx1"/>
-                </a:solidFill>
-                <a:latin typeface="Arial" panose="020B0604020202020204" pitchFamily="34" charset="0"/>
-              </a:defRPr>
-            </a:lvl6pPr>
-            <a:lvl7pPr eaLnBrk="0" fontAlgn="base" hangingPunct="0">
-              <a:spcBef>
-                <a:spcPct val="0"/>
-              </a:spcBef>
-              <a:spcAft>
-                <a:spcPct val="0"/>
-              </a:spcAft>
-              <a:defRPr>
-                <a:solidFill>
-                  <a:schemeClr val="tx1"/>
-                </a:solidFill>
-                <a:latin typeface="Arial" panose="020B0604020202020204" pitchFamily="34" charset="0"/>
-              </a:defRPr>
-            </a:lvl7pPr>
-            <a:lvl8pPr eaLnBrk="0" fontAlgn="base" hangingPunct="0">
-              <a:spcBef>
-                <a:spcPct val="0"/>
-              </a:spcBef>
-              <a:spcAft>
-                <a:spcPct val="0"/>
-              </a:spcAft>
-              <a:defRPr>
-                <a:solidFill>
-                  <a:schemeClr val="tx1"/>
-                </a:solidFill>
-                <a:latin typeface="Arial" panose="020B0604020202020204" pitchFamily="34" charset="0"/>
-              </a:defRPr>
-            </a:lvl8pPr>
-            <a:lvl9pPr eaLnBrk="0" fontAlgn="base" hangingPunct="0">
-              <a:spcBef>
-                <a:spcPct val="0"/>
-              </a:spcBef>
-              <a:spcAft>
-                <a:spcPct val="0"/>
-              </a:spcAft>
-              <a:defRPr>
-                <a:solidFill>
-                  <a:schemeClr val="tx1"/>
-                </a:solidFill>
-                <a:latin typeface="Arial" panose="020B0604020202020204" pitchFamily="34" charset="0"/>
-              </a:defRPr>
-            </a:lvl9pPr>
-          </a:lstStyle>
-          <a:p>
-            <a:pPr marL="0" marR="0" lvl="0" indent="0" algn="l" defTabSz="914400" rtl="0" eaLnBrk="0" fontAlgn="base" latinLnBrk="0" hangingPunct="0">
-              <a:lnSpc>
-                <a:spcPct val="100000"/>
-              </a:lnSpc>
-              <a:spcBef>
-                <a:spcPct val="0"/>
-              </a:spcBef>
-              <a:spcAft>
-                <a:spcPct val="0"/>
-              </a:spcAft>
-              <a:buClrTx/>
-              <a:buSzTx/>
-              <a:buFontTx/>
-              <a:buNone/>
-              <a:tabLst/>
-            </a:pPr>
-            <a:r>
-              <a:rPr kumimoji="0" lang="ko-KR" altLang="ko-KR" sz="5100" b="1" i="0" u="none" strike="noStrike" cap="none" normalizeH="0" baseline="0" dirty="0" err="1">
-                <a:ln>
-                  <a:noFill/>
-                </a:ln>
-                <a:solidFill>
-                  <a:srgbClr val="FFFFFF"/>
-                </a:solidFill>
-                <a:effectLst/>
-                <a:latin typeface="에스코어 드림 6 Bold" panose="020B0703030302020204" pitchFamily="34" charset="-127"/>
-                <a:ea typeface="에스코어 드림 6 Bold" panose="020B0703030302020204" pitchFamily="34" charset="-127"/>
-              </a:rPr>
-              <a:t>L</a:t>
-            </a:r>
-            <a:r>
-              <a:rPr lang="en-US" altLang="ko-KR" sz="5100" b="1" dirty="0">
-                <a:solidFill>
-                  <a:srgbClr val="FFFFFF"/>
-                </a:solidFill>
-                <a:latin typeface="에스코어 드림 6 Bold" panose="020B0703030302020204" pitchFamily="34" charset="-127"/>
-                <a:ea typeface="에스코어 드림 6 Bold" panose="020B0703030302020204" pitchFamily="34" charset="-127"/>
-              </a:rPr>
-              <a:t>OGO</a:t>
-            </a:r>
-            <a:endParaRPr kumimoji="0" lang="ko-KR" altLang="ko-KR" sz="1800" b="0" i="0" u="none" strike="noStrike" cap="none" normalizeH="0" baseline="0" dirty="0">
-              <a:ln>
-                <a:noFill/>
-              </a:ln>
-              <a:solidFill>
-                <a:schemeClr val="tx1"/>
-              </a:solidFill>
-              <a:effectLst/>
-              <a:latin typeface="Arial" panose="020B0604020202020204" pitchFamily="34" charset="0"/>
-            </a:endParaRPr>
-          </a:p>
-        </p:txBody>
-      </p:sp>
       <p:pic>
         <p:nvPicPr>
           <p:cNvPr id="1043" name="Picture 19">
@@ -13938,8 +13248,8 @@
         </p:blipFill>
         <p:spPr>
           <a:xfrm>
-            <a:off x="21938614" y="4705143"/>
-            <a:ext cx="7530306" cy="1017198"/>
+            <a:off x="18919493" y="4705143"/>
+            <a:ext cx="10549427" cy="1017198"/>
           </a:xfrm>
           <a:prstGeom prst="rect">
             <a:avLst/>
@@ -14002,7 +13312,7 @@
         <p:spPr>
           <a:xfrm>
             <a:off x="7043219" y="5690074"/>
-            <a:ext cx="2310248" cy="646331"/>
+            <a:ext cx="2414444" cy="646331"/>
           </a:xfrm>
           <a:prstGeom prst="rect">
             <a:avLst/>
@@ -14029,11 +13339,11 @@
             </a:r>
             <a:r>
               <a:rPr lang="en-US" altLang="ko-KR" sz="3600" dirty="0"/>
-              <a:t>)</a:t>
+              <a:t>) </a:t>
             </a:r>
             <a:r>
               <a:rPr lang="ko-KR" altLang="en-US" sz="3600" dirty="0"/>
-              <a:t>선택</a:t>
+              <a:t>검색</a:t>
             </a:r>
           </a:p>
         </p:txBody>
@@ -14268,8 +13578,8 @@
         </p:nvSpPr>
         <p:spPr>
           <a:xfrm>
-            <a:off x="18899928" y="4998240"/>
-            <a:ext cx="2310248" cy="646331"/>
+            <a:off x="20870439" y="4898316"/>
+            <a:ext cx="1386918" cy="646331"/>
           </a:xfrm>
           <a:prstGeom prst="rect">
             <a:avLst/>
@@ -14298,10 +13608,7 @@
               <a:rPr lang="en-US" altLang="ko-KR" sz="3600" dirty="0"/>
               <a:t>)</a:t>
             </a:r>
-            <a:r>
-              <a:rPr lang="ko-KR" altLang="en-US" sz="3600" dirty="0"/>
-              <a:t>선택</a:t>
-            </a:r>
+            <a:endParaRPr lang="ko-KR" altLang="en-US" sz="3600" dirty="0"/>
           </a:p>
         </p:txBody>
       </p:sp>
@@ -14993,13 +14300,13 @@
           <p:nvPr>
             <p:extLst>
               <p:ext uri="{D42A27DB-BD31-4B8C-83A1-F6EECF244321}">
-                <p14:modId xmlns:p14="http://schemas.microsoft.com/office/powerpoint/2010/main" val="3025914896"/>
+                <p14:modId xmlns:p14="http://schemas.microsoft.com/office/powerpoint/2010/main" val="2981071015"/>
               </p:ext>
             </p:extLst>
           </p:nvPr>
         </p:nvGraphicFramePr>
         <p:xfrm>
-          <a:off x="1990724" y="6596062"/>
+          <a:off x="5449359" y="5348287"/>
           <a:ext cx="20609982" cy="8335038"/>
         </p:xfrm>
         <a:graphic>
